--- a/Angularのお勉強.pptx
+++ b/Angularのお勉強.pptx
@@ -4,6 +4,15 @@
   <p:sldMasterIdLst>
     <p:sldMasterId id="2147483648" r:id="rId1"/>
   </p:sldMasterIdLst>
+  <p:sldIdLst>
+    <p:sldId id="256" r:id="rId2"/>
+    <p:sldId id="257" r:id="rId3"/>
+    <p:sldId id="258" r:id="rId4"/>
+    <p:sldId id="259" r:id="rId5"/>
+    <p:sldId id="260" r:id="rId6"/>
+    <p:sldId id="261" r:id="rId7"/>
+    <p:sldId id="262" r:id="rId8"/>
+  </p:sldIdLst>
   <p:sldSz cx="9144000" cy="6858000" type="screen4x3"/>
   <p:notesSz cx="6858000" cy="9144000"/>
   <p:defaultTextStyle>
@@ -285,7 +294,7 @@
           <a:p>
             <a:fld id="{E90ED720-0104-4369-84BC-D37694168613}" type="datetimeFigureOut">
               <a:rPr kumimoji="1" lang="ja-JP" altLang="en-US" smtClean="0"/>
-              <a:t>2006/9/6</a:t>
+              <a:t>2017/10/11</a:t>
             </a:fld>
             <a:endParaRPr kumimoji="1" lang="ja-JP" altLang="en-US"/>
           </a:p>
@@ -327,7 +336,7 @@
           <a:p>
             <a:fld id="{D2D8002D-B5B0-4BAC-B1F6-782DDCCE6D9C}" type="slidenum">
               <a:rPr kumimoji="1" lang="ja-JP" altLang="en-US" smtClean="0"/>
-              <a:t>&lt;#&gt;</a:t>
+              <a:t>‹#›</a:t>
             </a:fld>
             <a:endParaRPr kumimoji="1" lang="ja-JP" altLang="en-US"/>
           </a:p>
@@ -482,7 +491,7 @@
           <a:p>
             <a:fld id="{E90ED720-0104-4369-84BC-D37694168613}" type="datetimeFigureOut">
               <a:rPr kumimoji="1" lang="ja-JP" altLang="en-US" smtClean="0"/>
-              <a:t>2006/9/6</a:t>
+              <a:t>2017/10/11</a:t>
             </a:fld>
             <a:endParaRPr kumimoji="1" lang="ja-JP" altLang="en-US"/>
           </a:p>
@@ -524,7 +533,7 @@
           <a:p>
             <a:fld id="{D2D8002D-B5B0-4BAC-B1F6-782DDCCE6D9C}" type="slidenum">
               <a:rPr kumimoji="1" lang="ja-JP" altLang="en-US" smtClean="0"/>
-              <a:t>&lt;#&gt;</a:t>
+              <a:t>‹#›</a:t>
             </a:fld>
             <a:endParaRPr kumimoji="1" lang="ja-JP" altLang="en-US"/>
           </a:p>
@@ -689,7 +698,7 @@
           <a:p>
             <a:fld id="{E90ED720-0104-4369-84BC-D37694168613}" type="datetimeFigureOut">
               <a:rPr kumimoji="1" lang="ja-JP" altLang="en-US" smtClean="0"/>
-              <a:t>2006/9/6</a:t>
+              <a:t>2017/10/11</a:t>
             </a:fld>
             <a:endParaRPr kumimoji="1" lang="ja-JP" altLang="en-US"/>
           </a:p>
@@ -731,7 +740,7 @@
           <a:p>
             <a:fld id="{D2D8002D-B5B0-4BAC-B1F6-782DDCCE6D9C}" type="slidenum">
               <a:rPr kumimoji="1" lang="ja-JP" altLang="en-US" smtClean="0"/>
-              <a:t>&lt;#&gt;</a:t>
+              <a:t>‹#›</a:t>
             </a:fld>
             <a:endParaRPr kumimoji="1" lang="ja-JP" altLang="en-US"/>
           </a:p>
@@ -886,7 +895,7 @@
           <a:p>
             <a:fld id="{E90ED720-0104-4369-84BC-D37694168613}" type="datetimeFigureOut">
               <a:rPr kumimoji="1" lang="ja-JP" altLang="en-US" smtClean="0"/>
-              <a:t>2006/9/6</a:t>
+              <a:t>2017/10/11</a:t>
             </a:fld>
             <a:endParaRPr kumimoji="1" lang="ja-JP" altLang="en-US"/>
           </a:p>
@@ -928,7 +937,7 @@
           <a:p>
             <a:fld id="{D2D8002D-B5B0-4BAC-B1F6-782DDCCE6D9C}" type="slidenum">
               <a:rPr kumimoji="1" lang="ja-JP" altLang="en-US" smtClean="0"/>
-              <a:t>&lt;#&gt;</a:t>
+              <a:t>‹#›</a:t>
             </a:fld>
             <a:endParaRPr kumimoji="1" lang="ja-JP" altLang="en-US"/>
           </a:p>
@@ -1127,7 +1136,7 @@
           <a:p>
             <a:fld id="{E90ED720-0104-4369-84BC-D37694168613}" type="datetimeFigureOut">
               <a:rPr kumimoji="1" lang="ja-JP" altLang="en-US" smtClean="0"/>
-              <a:t>2006/9/6</a:t>
+              <a:t>2017/10/11</a:t>
             </a:fld>
             <a:endParaRPr kumimoji="1" lang="ja-JP" altLang="en-US"/>
           </a:p>
@@ -1169,7 +1178,7 @@
           <a:p>
             <a:fld id="{D2D8002D-B5B0-4BAC-B1F6-782DDCCE6D9C}" type="slidenum">
               <a:rPr kumimoji="1" lang="ja-JP" altLang="en-US" smtClean="0"/>
-              <a:t>&lt;#&gt;</a:t>
+              <a:t>‹#›</a:t>
             </a:fld>
             <a:endParaRPr kumimoji="1" lang="ja-JP" altLang="en-US"/>
           </a:p>
@@ -1474,7 +1483,7 @@
           <a:p>
             <a:fld id="{E90ED720-0104-4369-84BC-D37694168613}" type="datetimeFigureOut">
               <a:rPr kumimoji="1" lang="ja-JP" altLang="en-US" smtClean="0"/>
-              <a:t>2006/9/6</a:t>
+              <a:t>2017/10/11</a:t>
             </a:fld>
             <a:endParaRPr kumimoji="1" lang="ja-JP" altLang="en-US"/>
           </a:p>
@@ -1516,7 +1525,7 @@
           <a:p>
             <a:fld id="{D2D8002D-B5B0-4BAC-B1F6-782DDCCE6D9C}" type="slidenum">
               <a:rPr kumimoji="1" lang="ja-JP" altLang="en-US" smtClean="0"/>
-              <a:t>&lt;#&gt;</a:t>
+              <a:t>‹#›</a:t>
             </a:fld>
             <a:endParaRPr kumimoji="1" lang="ja-JP" altLang="en-US"/>
           </a:p>
@@ -1955,7 +1964,7 @@
           <a:p>
             <a:fld id="{E90ED720-0104-4369-84BC-D37694168613}" type="datetimeFigureOut">
               <a:rPr kumimoji="1" lang="ja-JP" altLang="en-US" smtClean="0"/>
-              <a:t>2006/9/6</a:t>
+              <a:t>2017/10/11</a:t>
             </a:fld>
             <a:endParaRPr kumimoji="1" lang="ja-JP" altLang="en-US"/>
           </a:p>
@@ -1997,7 +2006,7 @@
           <a:p>
             <a:fld id="{D2D8002D-B5B0-4BAC-B1F6-782DDCCE6D9C}" type="slidenum">
               <a:rPr kumimoji="1" lang="ja-JP" altLang="en-US" smtClean="0"/>
-              <a:t>&lt;#&gt;</a:t>
+              <a:t>‹#›</a:t>
             </a:fld>
             <a:endParaRPr kumimoji="1" lang="ja-JP" altLang="en-US"/>
           </a:p>
@@ -2068,7 +2077,7 @@
           <a:p>
             <a:fld id="{E90ED720-0104-4369-84BC-D37694168613}" type="datetimeFigureOut">
               <a:rPr kumimoji="1" lang="ja-JP" altLang="en-US" smtClean="0"/>
-              <a:t>2006/9/6</a:t>
+              <a:t>2017/10/11</a:t>
             </a:fld>
             <a:endParaRPr kumimoji="1" lang="ja-JP" altLang="en-US"/>
           </a:p>
@@ -2110,7 +2119,7 @@
           <a:p>
             <a:fld id="{D2D8002D-B5B0-4BAC-B1F6-782DDCCE6D9C}" type="slidenum">
               <a:rPr kumimoji="1" lang="ja-JP" altLang="en-US" smtClean="0"/>
-              <a:t>&lt;#&gt;</a:t>
+              <a:t>‹#›</a:t>
             </a:fld>
             <a:endParaRPr kumimoji="1" lang="ja-JP" altLang="en-US"/>
           </a:p>
@@ -2158,7 +2167,7 @@
           <a:p>
             <a:fld id="{E90ED720-0104-4369-84BC-D37694168613}" type="datetimeFigureOut">
               <a:rPr kumimoji="1" lang="ja-JP" altLang="en-US" smtClean="0"/>
-              <a:t>2006/9/6</a:t>
+              <a:t>2017/10/11</a:t>
             </a:fld>
             <a:endParaRPr kumimoji="1" lang="ja-JP" altLang="en-US"/>
           </a:p>
@@ -2200,7 +2209,7 @@
           <a:p>
             <a:fld id="{D2D8002D-B5B0-4BAC-B1F6-782DDCCE6D9C}" type="slidenum">
               <a:rPr kumimoji="1" lang="ja-JP" altLang="en-US" smtClean="0"/>
-              <a:t>&lt;#&gt;</a:t>
+              <a:t>‹#›</a:t>
             </a:fld>
             <a:endParaRPr kumimoji="1" lang="ja-JP" altLang="en-US"/>
           </a:p>
@@ -2462,7 +2471,7 @@
           <a:p>
             <a:fld id="{E90ED720-0104-4369-84BC-D37694168613}" type="datetimeFigureOut">
               <a:rPr kumimoji="1" lang="ja-JP" altLang="en-US" smtClean="0"/>
-              <a:t>2006/9/6</a:t>
+              <a:t>2017/10/11</a:t>
             </a:fld>
             <a:endParaRPr kumimoji="1" lang="ja-JP" altLang="en-US"/>
           </a:p>
@@ -2504,7 +2513,7 @@
           <a:p>
             <a:fld id="{D2D8002D-B5B0-4BAC-B1F6-782DDCCE6D9C}" type="slidenum">
               <a:rPr kumimoji="1" lang="ja-JP" altLang="en-US" smtClean="0"/>
-              <a:t>&lt;#&gt;</a:t>
+              <a:t>‹#›</a:t>
             </a:fld>
             <a:endParaRPr kumimoji="1" lang="ja-JP" altLang="en-US"/>
           </a:p>
@@ -2710,7 +2719,7 @@
           <a:p>
             <a:fld id="{E90ED720-0104-4369-84BC-D37694168613}" type="datetimeFigureOut">
               <a:rPr kumimoji="1" lang="ja-JP" altLang="en-US" smtClean="0"/>
-              <a:t>2006/9/6</a:t>
+              <a:t>2017/10/11</a:t>
             </a:fld>
             <a:endParaRPr kumimoji="1" lang="ja-JP" altLang="en-US"/>
           </a:p>
@@ -2752,7 +2761,7 @@
           <a:p>
             <a:fld id="{D2D8002D-B5B0-4BAC-B1F6-782DDCCE6D9C}" type="slidenum">
               <a:rPr kumimoji="1" lang="ja-JP" altLang="en-US" smtClean="0"/>
-              <a:t>&lt;#&gt;</a:t>
+              <a:t>‹#›</a:t>
             </a:fld>
             <a:endParaRPr kumimoji="1" lang="ja-JP" altLang="en-US"/>
           </a:p>
@@ -2950,7 +2959,7 @@
           <a:p>
             <a:fld id="{E90ED720-0104-4369-84BC-D37694168613}" type="datetimeFigureOut">
               <a:rPr kumimoji="1" lang="ja-JP" altLang="en-US" smtClean="0"/>
-              <a:t>2006/9/6</a:t>
+              <a:t>2017/10/11</a:t>
             </a:fld>
             <a:endParaRPr kumimoji="1" lang="ja-JP" altLang="en-US"/>
           </a:p>
@@ -3028,7 +3037,7 @@
           <a:p>
             <a:fld id="{D2D8002D-B5B0-4BAC-B1F6-782DDCCE6D9C}" type="slidenum">
               <a:rPr kumimoji="1" lang="ja-JP" altLang="en-US" smtClean="0"/>
-              <a:t>&lt;#&gt;</a:t>
+              <a:t>‹#›</a:t>
             </a:fld>
             <a:endParaRPr kumimoji="1" lang="ja-JP" altLang="en-US"/>
           </a:p>
@@ -3301,6 +3310,717 @@
     </p:otherStyle>
   </p:txStyles>
 </p:sldMaster>
+</file>
+
+<file path=ppt/slides/slide1.xml><?xml version="1.0" encoding="utf-8"?>
+<p:sld xmlns:a="http://schemas.openxmlformats.org/drawingml/2006/main" xmlns:r="http://schemas.openxmlformats.org/officeDocument/2006/relationships" xmlns:p="http://schemas.openxmlformats.org/presentationml/2006/main">
+  <p:cSld>
+    <p:spTree>
+      <p:nvGrpSpPr>
+        <p:cNvPr id="1" name=""/>
+        <p:cNvGrpSpPr/>
+        <p:nvPr/>
+      </p:nvGrpSpPr>
+      <p:grpSpPr>
+        <a:xfrm>
+          <a:off x="0" y="0"/>
+          <a:ext cx="0" cy="0"/>
+          <a:chOff x="0" y="0"/>
+          <a:chExt cx="0" cy="0"/>
+        </a:xfrm>
+      </p:grpSpPr>
+      <p:sp>
+        <p:nvSpPr>
+          <p:cNvPr id="2" name="タイトル 1"/>
+          <p:cNvSpPr>
+            <a:spLocks noGrp="1"/>
+          </p:cNvSpPr>
+          <p:nvPr>
+            <p:ph type="ctrTitle"/>
+          </p:nvPr>
+        </p:nvSpPr>
+        <p:spPr/>
+        <p:txBody>
+          <a:bodyPr/>
+          <a:lstStyle/>
+          <a:p>
+            <a:r>
+              <a:rPr kumimoji="1" lang="en-US" altLang="ja-JP" dirty="0" smtClean="0"/>
+              <a:t>Angular</a:t>
+            </a:r>
+            <a:r>
+              <a:rPr kumimoji="1" lang="ja-JP" altLang="en-US" dirty="0" smtClean="0"/>
+              <a:t>のお勉強</a:t>
+            </a:r>
+            <a:endParaRPr kumimoji="1" lang="ja-JP" altLang="en-US" dirty="0"/>
+          </a:p>
+        </p:txBody>
+      </p:sp>
+      <p:sp>
+        <p:nvSpPr>
+          <p:cNvPr id="3" name="サブタイトル 2"/>
+          <p:cNvSpPr>
+            <a:spLocks noGrp="1"/>
+          </p:cNvSpPr>
+          <p:nvPr>
+            <p:ph type="subTitle" idx="1"/>
+          </p:nvPr>
+        </p:nvSpPr>
+        <p:spPr/>
+        <p:txBody>
+          <a:bodyPr/>
+          <a:lstStyle/>
+          <a:p>
+            <a:r>
+              <a:rPr kumimoji="1" lang="en-US" altLang="ja-JP" baseline="-25000" dirty="0" smtClean="0"/>
+              <a:t>2017/10/11</a:t>
+            </a:r>
+            <a:r>
+              <a:rPr kumimoji="1" lang="ja-JP" altLang="en-US" baseline="-25000" dirty="0" smtClean="0"/>
+              <a:t>　初版　門谷</a:t>
+            </a:r>
+            <a:endParaRPr kumimoji="1" lang="ja-JP" altLang="en-US" baseline="-25000" dirty="0"/>
+          </a:p>
+        </p:txBody>
+      </p:sp>
+    </p:spTree>
+    <p:extLst>
+      <p:ext uri="{BB962C8B-B14F-4D97-AF65-F5344CB8AC3E}">
+        <p14:creationId xmlns:p14="http://schemas.microsoft.com/office/powerpoint/2010/main" val="3101261419"/>
+      </p:ext>
+    </p:extLst>
+  </p:cSld>
+  <p:clrMapOvr>
+    <a:masterClrMapping/>
+  </p:clrMapOvr>
+</p:sld>
+</file>
+
+<file path=ppt/slides/slide2.xml><?xml version="1.0" encoding="utf-8"?>
+<p:sld xmlns:a="http://schemas.openxmlformats.org/drawingml/2006/main" xmlns:r="http://schemas.openxmlformats.org/officeDocument/2006/relationships" xmlns:p="http://schemas.openxmlformats.org/presentationml/2006/main">
+  <p:cSld>
+    <p:spTree>
+      <p:nvGrpSpPr>
+        <p:cNvPr id="1" name=""/>
+        <p:cNvGrpSpPr/>
+        <p:nvPr/>
+      </p:nvGrpSpPr>
+      <p:grpSpPr>
+        <a:xfrm>
+          <a:off x="0" y="0"/>
+          <a:ext cx="0" cy="0"/>
+          <a:chOff x="0" y="0"/>
+          <a:chExt cx="0" cy="0"/>
+        </a:xfrm>
+      </p:grpSpPr>
+      <p:sp>
+        <p:nvSpPr>
+          <p:cNvPr id="2" name="タイトル 1"/>
+          <p:cNvSpPr>
+            <a:spLocks noGrp="1"/>
+          </p:cNvSpPr>
+          <p:nvPr>
+            <p:ph type="title"/>
+          </p:nvPr>
+        </p:nvSpPr>
+        <p:spPr/>
+        <p:txBody>
+          <a:bodyPr/>
+          <a:lstStyle/>
+          <a:p>
+            <a:r>
+              <a:rPr kumimoji="1" lang="en-US" altLang="ja-JP" dirty="0" smtClean="0"/>
+              <a:t>Angular</a:t>
+            </a:r>
+            <a:r>
+              <a:rPr kumimoji="1" lang="ja-JP" altLang="en-US" dirty="0" smtClean="0"/>
+              <a:t>とは何</a:t>
+            </a:r>
+            <a:r>
+              <a:rPr kumimoji="1" lang="ja-JP" altLang="en-US" dirty="0" err="1" smtClean="0"/>
+              <a:t>ぞや</a:t>
+            </a:r>
+            <a:r>
+              <a:rPr kumimoji="1" lang="ja-JP" altLang="en-US" dirty="0" smtClean="0"/>
+              <a:t>？</a:t>
+            </a:r>
+            <a:endParaRPr kumimoji="1" lang="ja-JP" altLang="en-US" dirty="0"/>
+          </a:p>
+        </p:txBody>
+      </p:sp>
+      <p:sp>
+        <p:nvSpPr>
+          <p:cNvPr id="3" name="コンテンツ プレースホルダー 2"/>
+          <p:cNvSpPr>
+            <a:spLocks noGrp="1"/>
+          </p:cNvSpPr>
+          <p:nvPr>
+            <p:ph idx="1"/>
+          </p:nvPr>
+        </p:nvSpPr>
+        <p:spPr/>
+        <p:txBody>
+          <a:bodyPr/>
+          <a:lstStyle/>
+          <a:p>
+            <a:r>
+              <a:rPr kumimoji="1" lang="en-US" altLang="ja-JP" dirty="0" err="1" smtClean="0"/>
+              <a:t>TypeScript</a:t>
+            </a:r>
+            <a:r>
+              <a:rPr kumimoji="1" lang="ja-JP" altLang="en-US" dirty="0" smtClean="0"/>
+              <a:t>や</a:t>
+            </a:r>
+            <a:r>
+              <a:rPr kumimoji="1" lang="en-US" altLang="ja-JP" dirty="0" smtClean="0"/>
+              <a:t>HTML5</a:t>
+            </a:r>
+            <a:r>
+              <a:rPr kumimoji="1" lang="ja-JP" altLang="en-US" dirty="0" smtClean="0"/>
+              <a:t>を活用した</a:t>
+            </a:r>
+            <a:r>
+              <a:rPr lang="ja-JP" altLang="en-US" dirty="0"/>
+              <a:t>　</a:t>
+            </a:r>
+            <a:r>
+              <a:rPr lang="ja-JP" altLang="en-US" dirty="0" smtClean="0"/>
+              <a:t>　　　　　　　　</a:t>
+            </a:r>
+            <a:r>
+              <a:rPr kumimoji="1" lang="ja-JP" altLang="en-US" dirty="0" smtClean="0"/>
+              <a:t>フレームワーク</a:t>
+            </a:r>
+            <a:endParaRPr kumimoji="1" lang="en-US" altLang="ja-JP" dirty="0" smtClean="0"/>
+          </a:p>
+          <a:p>
+            <a:r>
+              <a:rPr lang="en-US" altLang="ja-JP" dirty="0" smtClean="0"/>
+              <a:t>Google</a:t>
+            </a:r>
+            <a:r>
+              <a:rPr lang="ja-JP" altLang="en-US" dirty="0" smtClean="0"/>
+              <a:t>が開発している。</a:t>
+            </a:r>
+            <a:endParaRPr lang="en-US" altLang="ja-JP" dirty="0" smtClean="0"/>
+          </a:p>
+          <a:p>
+            <a:endParaRPr kumimoji="1" lang="ja-JP" altLang="en-US" dirty="0"/>
+          </a:p>
+        </p:txBody>
+      </p:sp>
+    </p:spTree>
+    <p:extLst>
+      <p:ext uri="{BB962C8B-B14F-4D97-AF65-F5344CB8AC3E}">
+        <p14:creationId xmlns:p14="http://schemas.microsoft.com/office/powerpoint/2010/main" val="2254833614"/>
+      </p:ext>
+    </p:extLst>
+  </p:cSld>
+  <p:clrMapOvr>
+    <a:masterClrMapping/>
+  </p:clrMapOvr>
+</p:sld>
+</file>
+
+<file path=ppt/slides/slide3.xml><?xml version="1.0" encoding="utf-8"?>
+<p:sld xmlns:a="http://schemas.openxmlformats.org/drawingml/2006/main" xmlns:r="http://schemas.openxmlformats.org/officeDocument/2006/relationships" xmlns:p="http://schemas.openxmlformats.org/presentationml/2006/main">
+  <p:cSld>
+    <p:spTree>
+      <p:nvGrpSpPr>
+        <p:cNvPr id="1" name=""/>
+        <p:cNvGrpSpPr/>
+        <p:nvPr/>
+      </p:nvGrpSpPr>
+      <p:grpSpPr>
+        <a:xfrm>
+          <a:off x="0" y="0"/>
+          <a:ext cx="0" cy="0"/>
+          <a:chOff x="0" y="0"/>
+          <a:chExt cx="0" cy="0"/>
+        </a:xfrm>
+      </p:grpSpPr>
+      <p:sp>
+        <p:nvSpPr>
+          <p:cNvPr id="2" name="タイトル 1"/>
+          <p:cNvSpPr>
+            <a:spLocks noGrp="1"/>
+          </p:cNvSpPr>
+          <p:nvPr>
+            <p:ph type="title"/>
+          </p:nvPr>
+        </p:nvSpPr>
+        <p:spPr/>
+        <p:txBody>
+          <a:bodyPr/>
+          <a:lstStyle/>
+          <a:p>
+            <a:r>
+              <a:rPr kumimoji="1" lang="en-US" altLang="ja-JP" dirty="0" smtClean="0"/>
+              <a:t>Angular</a:t>
+            </a:r>
+            <a:r>
+              <a:rPr kumimoji="1" lang="ja-JP" altLang="en-US" dirty="0" smtClean="0"/>
+              <a:t>を使った一連の流れ</a:t>
+            </a:r>
+            <a:endParaRPr kumimoji="1" lang="ja-JP" altLang="en-US" dirty="0"/>
+          </a:p>
+        </p:txBody>
+      </p:sp>
+      <p:sp>
+        <p:nvSpPr>
+          <p:cNvPr id="3" name="コンテンツ プレースホルダー 2"/>
+          <p:cNvSpPr>
+            <a:spLocks noGrp="1"/>
+          </p:cNvSpPr>
+          <p:nvPr>
+            <p:ph idx="1"/>
+          </p:nvPr>
+        </p:nvSpPr>
+        <p:spPr/>
+        <p:txBody>
+          <a:bodyPr>
+            <a:normAutofit fontScale="92500" lnSpcReduction="20000"/>
+          </a:bodyPr>
+          <a:lstStyle/>
+          <a:p>
+            <a:r>
+              <a:rPr kumimoji="1" lang="en-US" altLang="ja-JP" dirty="0" smtClean="0"/>
+              <a:t>ng</a:t>
+            </a:r>
+            <a:r>
+              <a:rPr lang="ja-JP" altLang="en-US" dirty="0"/>
+              <a:t> </a:t>
+            </a:r>
+            <a:r>
+              <a:rPr lang="en-US" altLang="ja-JP" dirty="0" smtClean="0"/>
+              <a:t>new</a:t>
+            </a:r>
+            <a:r>
+              <a:rPr lang="ja-JP" altLang="en-US" dirty="0" smtClean="0"/>
+              <a:t>　でモジュール作成</a:t>
+            </a:r>
+            <a:endParaRPr lang="en-US" altLang="ja-JP" dirty="0" smtClean="0"/>
+          </a:p>
+          <a:p>
+            <a:r>
+              <a:rPr kumimoji="1" lang="en-US" altLang="ja-JP" dirty="0" smtClean="0"/>
+              <a:t>ng component ?</a:t>
+            </a:r>
+            <a:r>
+              <a:rPr kumimoji="1" lang="ja-JP" altLang="en-US" dirty="0" smtClean="0"/>
+              <a:t>でコンポーネント作成</a:t>
+            </a:r>
+            <a:endParaRPr kumimoji="1" lang="en-US" altLang="ja-JP" dirty="0" smtClean="0"/>
+          </a:p>
+          <a:p>
+            <a:r>
+              <a:rPr kumimoji="1" lang="en-US" altLang="ja-JP" dirty="0" err="1" smtClean="0"/>
+              <a:t>Git</a:t>
+            </a:r>
+            <a:r>
+              <a:rPr kumimoji="1" lang="ja-JP" altLang="en-US" dirty="0" smtClean="0"/>
+              <a:t>使って資産管理</a:t>
+            </a:r>
+            <a:endParaRPr kumimoji="1" lang="en-US" altLang="ja-JP" dirty="0" smtClean="0"/>
+          </a:p>
+          <a:p>
+            <a:r>
+              <a:rPr lang="ja-JP" altLang="en-US" dirty="0"/>
+              <a:t>コンポーネント</a:t>
+            </a:r>
+            <a:r>
+              <a:rPr lang="ja-JP" altLang="en-US" dirty="0" smtClean="0"/>
+              <a:t>は画面単位で作る</a:t>
+            </a:r>
+            <a:endParaRPr lang="en-US" altLang="ja-JP" dirty="0" smtClean="0"/>
+          </a:p>
+          <a:p>
+            <a:r>
+              <a:rPr kumimoji="1" lang="ja-JP" altLang="en-US" dirty="0" smtClean="0"/>
+              <a:t>ルーティング</a:t>
+            </a:r>
+            <a:r>
+              <a:rPr kumimoji="1" lang="ja-JP" altLang="en-US" dirty="0"/>
+              <a:t>の</a:t>
+            </a:r>
+            <a:r>
+              <a:rPr kumimoji="1" lang="ja-JP" altLang="en-US" dirty="0" smtClean="0"/>
+              <a:t>設定</a:t>
+            </a:r>
+            <a:endParaRPr kumimoji="1" lang="en-US" altLang="ja-JP" dirty="0" smtClean="0"/>
+          </a:p>
+          <a:p>
+            <a:r>
+              <a:rPr lang="ja-JP" altLang="en-US" dirty="0" smtClean="0"/>
+              <a:t>コーディング</a:t>
+            </a:r>
+            <a:endParaRPr lang="en-US" altLang="ja-JP" dirty="0" smtClean="0"/>
+          </a:p>
+          <a:p>
+            <a:r>
+              <a:rPr lang="en-US" altLang="ja-JP" dirty="0" smtClean="0"/>
+              <a:t>CI</a:t>
+            </a:r>
+            <a:r>
+              <a:rPr lang="ja-JP" altLang="en-US" dirty="0" smtClean="0"/>
+              <a:t>で動作確認</a:t>
+            </a:r>
+            <a:r>
+              <a:rPr lang="en-US" altLang="ja-JP" dirty="0" smtClean="0"/>
+              <a:t>(</a:t>
+            </a:r>
+            <a:r>
+              <a:rPr lang="ja-JP" altLang="en-US" dirty="0" smtClean="0"/>
+              <a:t>文法チェックやエラーチェック</a:t>
+            </a:r>
+            <a:r>
+              <a:rPr lang="en-US" altLang="ja-JP" dirty="0" smtClean="0"/>
+              <a:t>)</a:t>
+            </a:r>
+          </a:p>
+          <a:p>
+            <a:r>
+              <a:rPr kumimoji="1" lang="ja-JP" altLang="en-US" dirty="0" smtClean="0"/>
+              <a:t>ユニットテストこしらえ</a:t>
+            </a:r>
+            <a:endParaRPr kumimoji="1" lang="en-US" altLang="ja-JP" dirty="0" smtClean="0"/>
+          </a:p>
+          <a:p>
+            <a:r>
+              <a:rPr lang="en-US" altLang="ja-JP" dirty="0" smtClean="0"/>
+              <a:t>E2E</a:t>
+            </a:r>
+            <a:r>
+              <a:rPr lang="ja-JP" altLang="en-US" dirty="0" smtClean="0"/>
+              <a:t>でテスト</a:t>
+            </a:r>
+            <a:endParaRPr kumimoji="1" lang="ja-JP" altLang="en-US" dirty="0"/>
+          </a:p>
+        </p:txBody>
+      </p:sp>
+    </p:spTree>
+    <p:extLst>
+      <p:ext uri="{BB962C8B-B14F-4D97-AF65-F5344CB8AC3E}">
+        <p14:creationId xmlns:p14="http://schemas.microsoft.com/office/powerpoint/2010/main" val="2524033694"/>
+      </p:ext>
+    </p:extLst>
+  </p:cSld>
+  <p:clrMapOvr>
+    <a:masterClrMapping/>
+  </p:clrMapOvr>
+</p:sld>
+</file>
+
+<file path=ppt/slides/slide4.xml><?xml version="1.0" encoding="utf-8"?>
+<p:sld xmlns:a="http://schemas.openxmlformats.org/drawingml/2006/main" xmlns:r="http://schemas.openxmlformats.org/officeDocument/2006/relationships" xmlns:p="http://schemas.openxmlformats.org/presentationml/2006/main">
+  <p:cSld>
+    <p:spTree>
+      <p:nvGrpSpPr>
+        <p:cNvPr id="1" name=""/>
+        <p:cNvGrpSpPr/>
+        <p:nvPr/>
+      </p:nvGrpSpPr>
+      <p:grpSpPr>
+        <a:xfrm>
+          <a:off x="0" y="0"/>
+          <a:ext cx="0" cy="0"/>
+          <a:chOff x="0" y="0"/>
+          <a:chExt cx="0" cy="0"/>
+        </a:xfrm>
+      </p:grpSpPr>
+      <p:sp>
+        <p:nvSpPr>
+          <p:cNvPr id="2" name="タイトル 1"/>
+          <p:cNvSpPr>
+            <a:spLocks noGrp="1"/>
+          </p:cNvSpPr>
+          <p:nvPr>
+            <p:ph type="title"/>
+          </p:nvPr>
+        </p:nvSpPr>
+        <p:spPr/>
+        <p:txBody>
+          <a:bodyPr/>
+          <a:lstStyle/>
+          <a:p>
+            <a:endParaRPr kumimoji="1" lang="ja-JP" altLang="en-US"/>
+          </a:p>
+        </p:txBody>
+      </p:sp>
+      <p:sp>
+        <p:nvSpPr>
+          <p:cNvPr id="3" name="コンテンツ プレースホルダー 2"/>
+          <p:cNvSpPr>
+            <a:spLocks noGrp="1"/>
+          </p:cNvSpPr>
+          <p:nvPr>
+            <p:ph idx="1"/>
+          </p:nvPr>
+        </p:nvSpPr>
+        <p:spPr/>
+        <p:txBody>
+          <a:bodyPr/>
+          <a:lstStyle/>
+          <a:p>
+            <a:endParaRPr kumimoji="1" lang="ja-JP" altLang="en-US"/>
+          </a:p>
+        </p:txBody>
+      </p:sp>
+    </p:spTree>
+    <p:extLst>
+      <p:ext uri="{BB962C8B-B14F-4D97-AF65-F5344CB8AC3E}">
+        <p14:creationId xmlns:p14="http://schemas.microsoft.com/office/powerpoint/2010/main" val="2524033694"/>
+      </p:ext>
+    </p:extLst>
+  </p:cSld>
+  <p:clrMapOvr>
+    <a:masterClrMapping/>
+  </p:clrMapOvr>
+</p:sld>
+</file>
+
+<file path=ppt/slides/slide5.xml><?xml version="1.0" encoding="utf-8"?>
+<p:sld xmlns:a="http://schemas.openxmlformats.org/drawingml/2006/main" xmlns:r="http://schemas.openxmlformats.org/officeDocument/2006/relationships" xmlns:p="http://schemas.openxmlformats.org/presentationml/2006/main">
+  <p:cSld>
+    <p:spTree>
+      <p:nvGrpSpPr>
+        <p:cNvPr id="1" name=""/>
+        <p:cNvGrpSpPr/>
+        <p:nvPr/>
+      </p:nvGrpSpPr>
+      <p:grpSpPr>
+        <a:xfrm>
+          <a:off x="0" y="0"/>
+          <a:ext cx="0" cy="0"/>
+          <a:chOff x="0" y="0"/>
+          <a:chExt cx="0" cy="0"/>
+        </a:xfrm>
+      </p:grpSpPr>
+      <p:sp>
+        <p:nvSpPr>
+          <p:cNvPr id="2" name="タイトル 1"/>
+          <p:cNvSpPr>
+            <a:spLocks noGrp="1"/>
+          </p:cNvSpPr>
+          <p:nvPr>
+            <p:ph type="title"/>
+          </p:nvPr>
+        </p:nvSpPr>
+        <p:spPr/>
+        <p:txBody>
+          <a:bodyPr/>
+          <a:lstStyle/>
+          <a:p>
+            <a:r>
+              <a:rPr kumimoji="1" lang="en-US" altLang="ja-JP" dirty="0" err="1" smtClean="0"/>
+              <a:t>Git</a:t>
+            </a:r>
+            <a:r>
+              <a:rPr kumimoji="1" lang="ja-JP" altLang="en-US" dirty="0" smtClean="0"/>
+              <a:t>コマンドメモ</a:t>
+            </a:r>
+            <a:endParaRPr kumimoji="1" lang="ja-JP" altLang="en-US" dirty="0"/>
+          </a:p>
+        </p:txBody>
+      </p:sp>
+      <p:sp>
+        <p:nvSpPr>
+          <p:cNvPr id="3" name="コンテンツ プレースホルダー 2"/>
+          <p:cNvSpPr>
+            <a:spLocks noGrp="1"/>
+          </p:cNvSpPr>
+          <p:nvPr>
+            <p:ph idx="1"/>
+          </p:nvPr>
+        </p:nvSpPr>
+        <p:spPr/>
+        <p:txBody>
+          <a:bodyPr/>
+          <a:lstStyle/>
+          <a:p>
+            <a:r>
+              <a:rPr kumimoji="1" lang="ja-JP" altLang="en-US" dirty="0" smtClean="0"/>
+              <a:t>リモートから持ってくるとき</a:t>
+            </a:r>
+            <a:endParaRPr lang="en-US" altLang="ja-JP" dirty="0" smtClean="0"/>
+          </a:p>
+          <a:p>
+            <a:pPr marL="0" indent="0">
+              <a:buNone/>
+            </a:pPr>
+            <a:r>
+              <a:rPr kumimoji="1" lang="ja-JP" altLang="en-US" dirty="0" smtClean="0"/>
+              <a:t>　</a:t>
+            </a:r>
+            <a:r>
+              <a:rPr kumimoji="1" lang="en-US" altLang="ja-JP" dirty="0" err="1" smtClean="0"/>
+              <a:t>git</a:t>
+            </a:r>
+            <a:r>
+              <a:rPr kumimoji="1" lang="en-US" altLang="ja-JP" dirty="0" smtClean="0"/>
+              <a:t> </a:t>
+            </a:r>
+            <a:r>
+              <a:rPr kumimoji="1" lang="en-US" altLang="ja-JP" smtClean="0"/>
+              <a:t>pull develop</a:t>
+            </a:r>
+            <a:endParaRPr kumimoji="1" lang="en-US" altLang="ja-JP" dirty="0"/>
+          </a:p>
+          <a:p>
+            <a:endParaRPr lang="en-US" altLang="ja-JP" dirty="0" smtClean="0"/>
+          </a:p>
+          <a:p>
+            <a:endParaRPr kumimoji="1" lang="en-US" altLang="ja-JP" dirty="0" smtClean="0"/>
+          </a:p>
+        </p:txBody>
+      </p:sp>
+    </p:spTree>
+    <p:extLst>
+      <p:ext uri="{BB962C8B-B14F-4D97-AF65-F5344CB8AC3E}">
+        <p14:creationId xmlns:p14="http://schemas.microsoft.com/office/powerpoint/2010/main" val="2524033694"/>
+      </p:ext>
+    </p:extLst>
+  </p:cSld>
+  <p:clrMapOvr>
+    <a:masterClrMapping/>
+  </p:clrMapOvr>
+</p:sld>
+</file>
+
+<file path=ppt/slides/slide6.xml><?xml version="1.0" encoding="utf-8"?>
+<p:sld xmlns:a="http://schemas.openxmlformats.org/drawingml/2006/main" xmlns:r="http://schemas.openxmlformats.org/officeDocument/2006/relationships" xmlns:p="http://schemas.openxmlformats.org/presentationml/2006/main">
+  <p:cSld>
+    <p:spTree>
+      <p:nvGrpSpPr>
+        <p:cNvPr id="1" name=""/>
+        <p:cNvGrpSpPr/>
+        <p:nvPr/>
+      </p:nvGrpSpPr>
+      <p:grpSpPr>
+        <a:xfrm>
+          <a:off x="0" y="0"/>
+          <a:ext cx="0" cy="0"/>
+          <a:chOff x="0" y="0"/>
+          <a:chExt cx="0" cy="0"/>
+        </a:xfrm>
+      </p:grpSpPr>
+      <p:sp>
+        <p:nvSpPr>
+          <p:cNvPr id="2" name="タイトル 1"/>
+          <p:cNvSpPr>
+            <a:spLocks noGrp="1"/>
+          </p:cNvSpPr>
+          <p:nvPr>
+            <p:ph type="title"/>
+          </p:nvPr>
+        </p:nvSpPr>
+        <p:spPr/>
+        <p:txBody>
+          <a:bodyPr/>
+          <a:lstStyle/>
+          <a:p>
+            <a:endParaRPr kumimoji="1" lang="ja-JP" altLang="en-US"/>
+          </a:p>
+        </p:txBody>
+      </p:sp>
+      <p:sp>
+        <p:nvSpPr>
+          <p:cNvPr id="3" name="コンテンツ プレースホルダー 2"/>
+          <p:cNvSpPr>
+            <a:spLocks noGrp="1"/>
+          </p:cNvSpPr>
+          <p:nvPr>
+            <p:ph idx="1"/>
+          </p:nvPr>
+        </p:nvSpPr>
+        <p:spPr/>
+        <p:txBody>
+          <a:bodyPr/>
+          <a:lstStyle/>
+          <a:p>
+            <a:endParaRPr kumimoji="1" lang="ja-JP" altLang="en-US"/>
+          </a:p>
+        </p:txBody>
+      </p:sp>
+    </p:spTree>
+    <p:extLst>
+      <p:ext uri="{BB962C8B-B14F-4D97-AF65-F5344CB8AC3E}">
+        <p14:creationId xmlns:p14="http://schemas.microsoft.com/office/powerpoint/2010/main" val="2563050773"/>
+      </p:ext>
+    </p:extLst>
+  </p:cSld>
+  <p:clrMapOvr>
+    <a:masterClrMapping/>
+  </p:clrMapOvr>
+</p:sld>
+</file>
+
+<file path=ppt/slides/slide7.xml><?xml version="1.0" encoding="utf-8"?>
+<p:sld xmlns:a="http://schemas.openxmlformats.org/drawingml/2006/main" xmlns:r="http://schemas.openxmlformats.org/officeDocument/2006/relationships" xmlns:p="http://schemas.openxmlformats.org/presentationml/2006/main">
+  <p:cSld>
+    <p:spTree>
+      <p:nvGrpSpPr>
+        <p:cNvPr id="1" name=""/>
+        <p:cNvGrpSpPr/>
+        <p:nvPr/>
+      </p:nvGrpSpPr>
+      <p:grpSpPr>
+        <a:xfrm>
+          <a:off x="0" y="0"/>
+          <a:ext cx="0" cy="0"/>
+          <a:chOff x="0" y="0"/>
+          <a:chExt cx="0" cy="0"/>
+        </a:xfrm>
+      </p:grpSpPr>
+      <p:sp>
+        <p:nvSpPr>
+          <p:cNvPr id="2" name="タイトル 1"/>
+          <p:cNvSpPr>
+            <a:spLocks noGrp="1"/>
+          </p:cNvSpPr>
+          <p:nvPr>
+            <p:ph type="title"/>
+          </p:nvPr>
+        </p:nvSpPr>
+        <p:spPr/>
+        <p:txBody>
+          <a:bodyPr/>
+          <a:lstStyle/>
+          <a:p>
+            <a:endParaRPr kumimoji="1" lang="ja-JP" altLang="en-US"/>
+          </a:p>
+        </p:txBody>
+      </p:sp>
+      <p:sp>
+        <p:nvSpPr>
+          <p:cNvPr id="3" name="コンテンツ プレースホルダー 2"/>
+          <p:cNvSpPr>
+            <a:spLocks noGrp="1"/>
+          </p:cNvSpPr>
+          <p:nvPr>
+            <p:ph idx="1"/>
+          </p:nvPr>
+        </p:nvSpPr>
+        <p:spPr/>
+        <p:txBody>
+          <a:bodyPr/>
+          <a:lstStyle/>
+          <a:p>
+            <a:endParaRPr kumimoji="1" lang="ja-JP" altLang="en-US"/>
+          </a:p>
+        </p:txBody>
+      </p:sp>
+    </p:spTree>
+    <p:extLst>
+      <p:ext uri="{BB962C8B-B14F-4D97-AF65-F5344CB8AC3E}">
+        <p14:creationId xmlns:p14="http://schemas.microsoft.com/office/powerpoint/2010/main" val="2563050773"/>
+      </p:ext>
+    </p:extLst>
+  </p:cSld>
+  <p:clrMapOvr>
+    <a:masterClrMapping/>
+  </p:clrMapOvr>
+</p:sld>
 </file>
 
 <file path=ppt/theme/theme1.xml><?xml version="1.0" encoding="utf-8"?>
